--- a/PRESENTATION/Mitigati0n h4x.pptx
+++ b/PRESENTATION/Mitigati0n h4x.pptx
@@ -6,7 +6,12 @@
   </p:sldMasterIdLst>
   <p:sldIdLst>
     <p:sldId id="256" r:id="rId2"/>
-    <p:sldId id="257" r:id="rId3"/>
+    <p:sldId id="258" r:id="rId3"/>
+    <p:sldId id="257" r:id="rId4"/>
+    <p:sldId id="259" r:id="rId5"/>
+    <p:sldId id="260" r:id="rId6"/>
+    <p:sldId id="261" r:id="rId7"/>
+    <p:sldId id="262" r:id="rId8"/>
   </p:sldIdLst>
   <p:sldSz cx="12192000" cy="6858000"/>
   <p:notesSz cx="6858000" cy="9144000"/>
@@ -105,6 +110,11 @@
       </a:defRPr>
     </a:lvl9pPr>
   </p:defaultTextStyle>
+  <p:extLst>
+    <p:ext uri="{EFAFB233-063F-42B5-8137-9DF3F51BA10A}">
+      <p15:sldGuideLst xmlns:p15="http://schemas.microsoft.com/office/powerpoint/2012/main"/>
+    </p:ext>
+  </p:extLst>
 </p:presentation>
 </file>
 
@@ -2990,28 +3000,53 @@
           <a:lstStyle/>
           <a:p>
             <a:r>
+              <a:rPr lang="en-US" dirty="0" smtClean="0">
+                <a:solidFill>
+                  <a:srgbClr val="CC0000"/>
+                </a:solidFill>
+                <a:latin typeface="Rogue Hero Halftone Italic" pitchFamily="2" charset="0"/>
+              </a:rPr>
+              <a:t>Mitigati0n </a:t>
+            </a:r>
+            <a:r>
+              <a:rPr lang="en-US" dirty="0" smtClean="0">
+                <a:solidFill>
+                  <a:srgbClr val="CC0000"/>
+                </a:solidFill>
+                <a:latin typeface="Rogue Hero Halftone Italic" pitchFamily="2" charset="0"/>
+              </a:rPr>
+              <a:t>h4x for the IRL</a:t>
+            </a:r>
+            <a:endParaRPr lang="en-US" dirty="0">
+              <a:solidFill>
+                <a:srgbClr val="CC0000"/>
+              </a:solidFill>
+              <a:latin typeface="Rogue Hero Halftone Italic" pitchFamily="2" charset="0"/>
+            </a:endParaRPr>
+          </a:p>
+        </p:txBody>
+      </p:sp>
+      <p:sp>
+        <p:nvSpPr>
+          <p:cNvPr id="3" name="Subtitle 2"/>
+          <p:cNvSpPr>
+            <a:spLocks noGrp="1"/>
+          </p:cNvSpPr>
+          <p:nvPr>
+            <p:ph type="subTitle" idx="1"/>
+          </p:nvPr>
+        </p:nvSpPr>
+        <p:spPr/>
+        <p:txBody>
+          <a:bodyPr>
+            <a:normAutofit/>
+          </a:bodyPr>
+          <a:lstStyle/>
+          <a:p>
+            <a:r>
               <a:rPr lang="en-US" dirty="0" smtClean="0"/>
-              <a:t>Mitigati0n h4x</a:t>
-            </a:r>
-            <a:endParaRPr lang="en-US" dirty="0"/>
-          </a:p>
-        </p:txBody>
-      </p:sp>
-      <p:sp>
-        <p:nvSpPr>
-          <p:cNvPr id="3" name="Subtitle 2"/>
-          <p:cNvSpPr>
-            <a:spLocks noGrp="1"/>
-          </p:cNvSpPr>
-          <p:nvPr>
-            <p:ph type="subTitle" idx="1"/>
-          </p:nvPr>
-        </p:nvSpPr>
-        <p:spPr/>
-        <p:txBody>
-          <a:bodyPr/>
-          <a:lstStyle/>
-          <a:p>
+              <a:t>Focus on Prevention with Real Time data analytics</a:t>
+            </a:r>
             <a:endParaRPr lang="en-US" dirty="0"/>
           </a:p>
         </p:txBody>
@@ -3068,7 +3103,188 @@
           <a:bodyPr/>
           <a:lstStyle/>
           <a:p>
-            <a:endParaRPr lang="en-US"/>
+            <a:r>
+              <a:rPr lang="en-US" b="1" dirty="0" smtClean="0">
+                <a:solidFill>
+                  <a:srgbClr val="CC0000"/>
+                </a:solidFill>
+                <a:latin typeface="Rogue Hero Halftone Italic" pitchFamily="2" charset="0"/>
+              </a:rPr>
+              <a:t>Team</a:t>
+            </a:r>
+            <a:endParaRPr lang="en-US" b="1" dirty="0">
+              <a:solidFill>
+                <a:srgbClr val="CC0000"/>
+              </a:solidFill>
+              <a:latin typeface="Rogue Hero Halftone Italic" pitchFamily="2" charset="0"/>
+            </a:endParaRPr>
+          </a:p>
+        </p:txBody>
+      </p:sp>
+      <p:sp>
+        <p:nvSpPr>
+          <p:cNvPr id="3" name="Content Placeholder 2"/>
+          <p:cNvSpPr>
+            <a:spLocks noGrp="1"/>
+          </p:cNvSpPr>
+          <p:nvPr>
+            <p:ph idx="1"/>
+          </p:nvPr>
+        </p:nvSpPr>
+        <p:spPr/>
+        <p:txBody>
+          <a:bodyPr/>
+          <a:lstStyle/>
+          <a:p>
+            <a:pPr marL="0" indent="0">
+              <a:buNone/>
+            </a:pPr>
+            <a:r>
+              <a:rPr lang="en-US" dirty="0" smtClean="0"/>
+              <a:t>Benjamin </a:t>
+            </a:r>
+            <a:r>
+              <a:rPr lang="en-US" dirty="0" err="1" smtClean="0"/>
+              <a:t>Spak</a:t>
+            </a:r>
+            <a:r>
+              <a:rPr lang="en-US" dirty="0" smtClean="0"/>
+              <a:t> – Front End, UI</a:t>
+            </a:r>
+            <a:r>
+              <a:rPr lang="en-US" dirty="0"/>
+              <a:t/>
+            </a:r>
+            <a:br>
+              <a:rPr lang="en-US" dirty="0"/>
+            </a:br>
+            <a:r>
+              <a:rPr lang="en-US" dirty="0"/>
+              <a:t>Brian </a:t>
+            </a:r>
+            <a:r>
+              <a:rPr lang="en-US" dirty="0" smtClean="0"/>
+              <a:t>Balboa – Research, UX &amp; Innovation</a:t>
+            </a:r>
+            <a:r>
+              <a:rPr lang="en-US" dirty="0"/>
+              <a:t/>
+            </a:r>
+            <a:br>
+              <a:rPr lang="en-US" dirty="0"/>
+            </a:br>
+            <a:r>
+              <a:rPr lang="en-US" dirty="0" err="1"/>
+              <a:t>Dakarai</a:t>
+            </a:r>
+            <a:r>
+              <a:rPr lang="en-US" dirty="0"/>
+              <a:t> </a:t>
+            </a:r>
+            <a:r>
+              <a:rPr lang="en-US" dirty="0" smtClean="0"/>
+              <a:t>Simmons – Back/Front End</a:t>
+            </a:r>
+            <a:r>
+              <a:rPr lang="en-US" dirty="0"/>
+              <a:t/>
+            </a:r>
+            <a:br>
+              <a:rPr lang="en-US" dirty="0"/>
+            </a:br>
+            <a:r>
+              <a:rPr lang="en-US" dirty="0" smtClean="0"/>
+              <a:t>Michael Reynolds – Research &amp; Front End</a:t>
+            </a:r>
+          </a:p>
+          <a:p>
+            <a:pPr marL="0" indent="0">
+              <a:buNone/>
+            </a:pPr>
+            <a:endParaRPr lang="en-US" dirty="0"/>
+          </a:p>
+          <a:p>
+            <a:pPr marL="0" indent="0">
+              <a:buNone/>
+            </a:pPr>
+            <a:r>
+              <a:rPr lang="en-US" dirty="0" smtClean="0"/>
+              <a:t>Mission: Help manage &amp; prioritize resources for IRL through big data.</a:t>
+            </a:r>
+            <a:endParaRPr lang="en-US" dirty="0"/>
+          </a:p>
+          <a:p>
+            <a:endParaRPr lang="en-US" dirty="0"/>
+          </a:p>
+        </p:txBody>
+      </p:sp>
+    </p:spTree>
+    <p:extLst>
+      <p:ext uri="{BB962C8B-B14F-4D97-AF65-F5344CB8AC3E}">
+        <p14:creationId xmlns:p14="http://schemas.microsoft.com/office/powerpoint/2010/main" val="2792722481"/>
+      </p:ext>
+    </p:extLst>
+  </p:cSld>
+  <p:clrMapOvr>
+    <a:masterClrMapping/>
+  </p:clrMapOvr>
+  <p:timing>
+    <p:tnLst>
+      <p:par>
+        <p:cTn id="1" dur="indefinite" restart="never" nodeType="tmRoot"/>
+      </p:par>
+    </p:tnLst>
+  </p:timing>
+</p:sld>
+</file>
+
+<file path=ppt/slides/slide3.xml><?xml version="1.0" encoding="utf-8"?>
+<p:sld xmlns:a="http://schemas.openxmlformats.org/drawingml/2006/main" xmlns:r="http://schemas.openxmlformats.org/officeDocument/2006/relationships" xmlns:p="http://schemas.openxmlformats.org/presentationml/2006/main">
+  <p:cSld>
+    <p:spTree>
+      <p:nvGrpSpPr>
+        <p:cNvPr id="1" name=""/>
+        <p:cNvGrpSpPr/>
+        <p:nvPr/>
+      </p:nvGrpSpPr>
+      <p:grpSpPr>
+        <a:xfrm>
+          <a:off x="0" y="0"/>
+          <a:ext cx="0" cy="0"/>
+          <a:chOff x="0" y="0"/>
+          <a:chExt cx="0" cy="0"/>
+        </a:xfrm>
+      </p:grpSpPr>
+      <p:sp>
+        <p:nvSpPr>
+          <p:cNvPr id="2" name="Title 1"/>
+          <p:cNvSpPr>
+            <a:spLocks noGrp="1"/>
+          </p:cNvSpPr>
+          <p:nvPr>
+            <p:ph type="title"/>
+          </p:nvPr>
+        </p:nvSpPr>
+        <p:spPr/>
+        <p:txBody>
+          <a:bodyPr/>
+          <a:lstStyle/>
+          <a:p>
+            <a:r>
+              <a:rPr lang="en-US" dirty="0" smtClean="0">
+                <a:solidFill>
+                  <a:srgbClr val="CC0000"/>
+                </a:solidFill>
+                <a:latin typeface="Rogue Hero Halftone Italic" pitchFamily="2" charset="0"/>
+              </a:rPr>
+              <a:t>What’s what?</a:t>
+            </a:r>
+            <a:endParaRPr lang="en-US" dirty="0">
+              <a:solidFill>
+                <a:srgbClr val="CC0000"/>
+              </a:solidFill>
+              <a:latin typeface="Rogue Hero Halftone Italic" pitchFamily="2" charset="0"/>
+            </a:endParaRPr>
           </a:p>
         </p:txBody>
       </p:sp>
@@ -3112,6 +3328,663 @@
     <p:extLst>
       <p:ext uri="{BB962C8B-B14F-4D97-AF65-F5344CB8AC3E}">
         <p14:creationId xmlns:p14="http://schemas.microsoft.com/office/powerpoint/2010/main" val="1642381842"/>
+      </p:ext>
+    </p:extLst>
+  </p:cSld>
+  <p:clrMapOvr>
+    <a:masterClrMapping/>
+  </p:clrMapOvr>
+  <p:timing>
+    <p:tnLst>
+      <p:par>
+        <p:cTn id="1" dur="indefinite" restart="never" nodeType="tmRoot"/>
+      </p:par>
+    </p:tnLst>
+  </p:timing>
+</p:sld>
+</file>
+
+<file path=ppt/slides/slide4.xml><?xml version="1.0" encoding="utf-8"?>
+<p:sld xmlns:a="http://schemas.openxmlformats.org/drawingml/2006/main" xmlns:r="http://schemas.openxmlformats.org/officeDocument/2006/relationships" xmlns:p="http://schemas.openxmlformats.org/presentationml/2006/main">
+  <p:cSld>
+    <p:bg>
+      <p:bgPr>
+        <a:blipFill dpi="0" rotWithShape="1">
+          <a:blip r:embed="rId2">
+            <a:lum/>
+          </a:blip>
+          <a:srcRect/>
+          <a:stretch>
+            <a:fillRect/>
+          </a:stretch>
+        </a:blipFill>
+        <a:effectLst/>
+      </p:bgPr>
+    </p:bg>
+    <p:spTree>
+      <p:nvGrpSpPr>
+        <p:cNvPr id="1" name=""/>
+        <p:cNvGrpSpPr/>
+        <p:nvPr/>
+      </p:nvGrpSpPr>
+      <p:grpSpPr>
+        <a:xfrm>
+          <a:off x="0" y="0"/>
+          <a:ext cx="0" cy="0"/>
+          <a:chOff x="0" y="0"/>
+          <a:chExt cx="0" cy="0"/>
+        </a:xfrm>
+      </p:grpSpPr>
+      <p:sp>
+        <p:nvSpPr>
+          <p:cNvPr id="2" name="Title 1"/>
+          <p:cNvSpPr>
+            <a:spLocks noGrp="1"/>
+          </p:cNvSpPr>
+          <p:nvPr>
+            <p:ph type="title"/>
+          </p:nvPr>
+        </p:nvSpPr>
+        <p:spPr/>
+        <p:txBody>
+          <a:bodyPr/>
+          <a:lstStyle/>
+          <a:p>
+            <a:r>
+              <a:rPr lang="en-US" dirty="0" smtClean="0">
+                <a:solidFill>
+                  <a:srgbClr val="CC0000"/>
+                </a:solidFill>
+                <a:latin typeface="Rogue Hero Halftone Italic" pitchFamily="2" charset="0"/>
+              </a:rPr>
+              <a:t>Using Resources</a:t>
+            </a:r>
+            <a:endParaRPr lang="en-US" dirty="0">
+              <a:solidFill>
+                <a:srgbClr val="CC0000"/>
+              </a:solidFill>
+              <a:latin typeface="Rogue Hero Halftone Italic" pitchFamily="2" charset="0"/>
+            </a:endParaRPr>
+          </a:p>
+        </p:txBody>
+      </p:sp>
+      <p:sp>
+        <p:nvSpPr>
+          <p:cNvPr id="4" name="Content Placeholder 3"/>
+          <p:cNvSpPr>
+            <a:spLocks noGrp="1"/>
+          </p:cNvSpPr>
+          <p:nvPr>
+            <p:ph idx="1"/>
+          </p:nvPr>
+        </p:nvSpPr>
+        <p:spPr/>
+        <p:txBody>
+          <a:bodyPr/>
+          <a:lstStyle/>
+          <a:p>
+            <a:pPr algn="r"/>
+            <a:r>
+              <a:rPr lang="en-US" dirty="0" err="1" smtClean="0"/>
+              <a:t>HydroCycle</a:t>
+            </a:r>
+            <a:r>
+              <a:rPr lang="en-US" dirty="0" smtClean="0"/>
+              <a:t> PO4 &amp; LOBO</a:t>
+            </a:r>
+          </a:p>
+          <a:p>
+            <a:pPr algn="r"/>
+            <a:r>
+              <a:rPr lang="en-US" dirty="0" smtClean="0"/>
+              <a:t>Baffle Boxes &amp; Storm Drains</a:t>
+            </a:r>
+          </a:p>
+          <a:p>
+            <a:pPr algn="r"/>
+            <a:endParaRPr lang="en-US" dirty="0" smtClean="0"/>
+          </a:p>
+          <a:p>
+            <a:pPr algn="r"/>
+            <a:r>
+              <a:rPr lang="en-US" sz="2400" dirty="0" smtClean="0"/>
+              <a:t>Real Time data</a:t>
+            </a:r>
+          </a:p>
+          <a:p>
+            <a:pPr lvl="1" algn="r"/>
+            <a:r>
+              <a:rPr lang="en-US" dirty="0" smtClean="0"/>
+              <a:t>Dashboard Reporting</a:t>
+            </a:r>
+          </a:p>
+          <a:p>
+            <a:pPr lvl="1" algn="r"/>
+            <a:r>
+              <a:rPr lang="en-US" dirty="0" smtClean="0"/>
+              <a:t>Alerting System</a:t>
+            </a:r>
+            <a:endParaRPr lang="en-US" dirty="0"/>
+          </a:p>
+        </p:txBody>
+      </p:sp>
+    </p:spTree>
+    <p:extLst>
+      <p:ext uri="{BB962C8B-B14F-4D97-AF65-F5344CB8AC3E}">
+        <p14:creationId xmlns:p14="http://schemas.microsoft.com/office/powerpoint/2010/main" val="3907739491"/>
+      </p:ext>
+    </p:extLst>
+  </p:cSld>
+  <p:clrMapOvr>
+    <a:masterClrMapping/>
+  </p:clrMapOvr>
+  <p:timing>
+    <p:tnLst>
+      <p:par>
+        <p:cTn id="1" dur="indefinite" restart="never" nodeType="tmRoot"/>
+      </p:par>
+    </p:tnLst>
+  </p:timing>
+</p:sld>
+</file>
+
+<file path=ppt/slides/slide5.xml><?xml version="1.0" encoding="utf-8"?>
+<p:sld xmlns:a="http://schemas.openxmlformats.org/drawingml/2006/main" xmlns:r="http://schemas.openxmlformats.org/officeDocument/2006/relationships" xmlns:p="http://schemas.openxmlformats.org/presentationml/2006/main">
+  <p:cSld>
+    <p:bg>
+      <p:bgPr>
+        <a:blipFill dpi="0" rotWithShape="1">
+          <a:blip r:embed="rId2">
+            <a:lum/>
+          </a:blip>
+          <a:srcRect/>
+          <a:stretch>
+            <a:fillRect/>
+          </a:stretch>
+        </a:blipFill>
+        <a:effectLst/>
+      </p:bgPr>
+    </p:bg>
+    <p:spTree>
+      <p:nvGrpSpPr>
+        <p:cNvPr id="1" name=""/>
+        <p:cNvGrpSpPr/>
+        <p:nvPr/>
+      </p:nvGrpSpPr>
+      <p:grpSpPr>
+        <a:xfrm>
+          <a:off x="0" y="0"/>
+          <a:ext cx="0" cy="0"/>
+          <a:chOff x="0" y="0"/>
+          <a:chExt cx="0" cy="0"/>
+        </a:xfrm>
+      </p:grpSpPr>
+      <p:sp>
+        <p:nvSpPr>
+          <p:cNvPr id="2" name="Title 1"/>
+          <p:cNvSpPr>
+            <a:spLocks noGrp="1"/>
+          </p:cNvSpPr>
+          <p:nvPr>
+            <p:ph type="title"/>
+          </p:nvPr>
+        </p:nvSpPr>
+        <p:spPr/>
+        <p:txBody>
+          <a:bodyPr/>
+          <a:lstStyle/>
+          <a:p>
+            <a:r>
+              <a:rPr lang="en-US" dirty="0" smtClean="0">
+                <a:solidFill>
+                  <a:srgbClr val="CC0000"/>
+                </a:solidFill>
+                <a:latin typeface="Rogue Hero Halftone Italic" pitchFamily="2" charset="0"/>
+              </a:rPr>
+              <a:t>Possibilities</a:t>
+            </a:r>
+            <a:endParaRPr lang="en-US" dirty="0">
+              <a:solidFill>
+                <a:srgbClr val="CC0000"/>
+              </a:solidFill>
+              <a:latin typeface="Rogue Hero Halftone Italic" pitchFamily="2" charset="0"/>
+            </a:endParaRPr>
+          </a:p>
+        </p:txBody>
+      </p:sp>
+      <p:sp>
+        <p:nvSpPr>
+          <p:cNvPr id="3" name="Content Placeholder 2"/>
+          <p:cNvSpPr>
+            <a:spLocks noGrp="1"/>
+          </p:cNvSpPr>
+          <p:nvPr>
+            <p:ph idx="1"/>
+          </p:nvPr>
+        </p:nvSpPr>
+        <p:spPr>
+          <a:xfrm>
+            <a:off x="838200" y="1597025"/>
+            <a:ext cx="10515600" cy="4351338"/>
+          </a:xfrm>
+        </p:spPr>
+        <p:txBody>
+          <a:bodyPr/>
+          <a:lstStyle/>
+          <a:p>
+            <a:r>
+              <a:rPr lang="en-US" dirty="0" smtClean="0"/>
+              <a:t>Find Trends</a:t>
+            </a:r>
+          </a:p>
+          <a:p>
+            <a:r>
+              <a:rPr lang="en-US" dirty="0" smtClean="0"/>
+              <a:t>Add more algorithms for following data (bloom nutrients)</a:t>
+            </a:r>
+          </a:p>
+          <a:p>
+            <a:r>
+              <a:rPr lang="en-US" dirty="0" smtClean="0"/>
+              <a:t>Prioritize resources &amp; funding for current initiatives </a:t>
+            </a:r>
+            <a:endParaRPr lang="en-US" dirty="0"/>
+          </a:p>
+        </p:txBody>
+      </p:sp>
+    </p:spTree>
+    <p:extLst>
+      <p:ext uri="{BB962C8B-B14F-4D97-AF65-F5344CB8AC3E}">
+        <p14:creationId xmlns:p14="http://schemas.microsoft.com/office/powerpoint/2010/main" val="1537996143"/>
+      </p:ext>
+    </p:extLst>
+  </p:cSld>
+  <p:clrMapOvr>
+    <a:masterClrMapping/>
+  </p:clrMapOvr>
+  <p:timing>
+    <p:tnLst>
+      <p:par>
+        <p:cTn id="1" dur="indefinite" restart="never" nodeType="tmRoot"/>
+      </p:par>
+    </p:tnLst>
+  </p:timing>
+</p:sld>
+</file>
+
+<file path=ppt/slides/slide6.xml><?xml version="1.0" encoding="utf-8"?>
+<p:sld xmlns:a="http://schemas.openxmlformats.org/drawingml/2006/main" xmlns:r="http://schemas.openxmlformats.org/officeDocument/2006/relationships" xmlns:p="http://schemas.openxmlformats.org/presentationml/2006/main">
+  <p:cSld>
+    <p:bg>
+      <p:bgPr>
+        <a:blipFill dpi="0" rotWithShape="1">
+          <a:blip r:embed="rId2">
+            <a:lum/>
+          </a:blip>
+          <a:srcRect/>
+          <a:stretch>
+            <a:fillRect/>
+          </a:stretch>
+        </a:blipFill>
+        <a:effectLst/>
+      </p:bgPr>
+    </p:bg>
+    <p:spTree>
+      <p:nvGrpSpPr>
+        <p:cNvPr id="1" name=""/>
+        <p:cNvGrpSpPr/>
+        <p:nvPr/>
+      </p:nvGrpSpPr>
+      <p:grpSpPr>
+        <a:xfrm>
+          <a:off x="0" y="0"/>
+          <a:ext cx="0" cy="0"/>
+          <a:chOff x="0" y="0"/>
+          <a:chExt cx="0" cy="0"/>
+        </a:xfrm>
+      </p:grpSpPr>
+      <p:sp>
+        <p:nvSpPr>
+          <p:cNvPr id="2" name="Title 1"/>
+          <p:cNvSpPr>
+            <a:spLocks noGrp="1"/>
+          </p:cNvSpPr>
+          <p:nvPr>
+            <p:ph type="title"/>
+          </p:nvPr>
+        </p:nvSpPr>
+        <p:spPr/>
+        <p:txBody>
+          <a:bodyPr/>
+          <a:lstStyle/>
+          <a:p>
+            <a:r>
+              <a:rPr lang="en-US" dirty="0" smtClean="0">
+                <a:solidFill>
+                  <a:srgbClr val="CC0000"/>
+                </a:solidFill>
+                <a:latin typeface="Rogue Hero Halftone Italic" pitchFamily="2" charset="0"/>
+              </a:rPr>
+              <a:t>Future Possibilities</a:t>
+            </a:r>
+            <a:endParaRPr lang="en-US" dirty="0">
+              <a:solidFill>
+                <a:srgbClr val="CC0000"/>
+              </a:solidFill>
+              <a:latin typeface="Rogue Hero Halftone Italic" pitchFamily="2" charset="0"/>
+            </a:endParaRPr>
+          </a:p>
+        </p:txBody>
+      </p:sp>
+      <p:sp>
+        <p:nvSpPr>
+          <p:cNvPr id="3" name="Content Placeholder 2"/>
+          <p:cNvSpPr>
+            <a:spLocks noGrp="1"/>
+          </p:cNvSpPr>
+          <p:nvPr>
+            <p:ph idx="1"/>
+          </p:nvPr>
+        </p:nvSpPr>
+        <p:spPr/>
+        <p:txBody>
+          <a:bodyPr/>
+          <a:lstStyle/>
+          <a:p>
+            <a:r>
+              <a:rPr lang="en-US" dirty="0" smtClean="0"/>
+              <a:t>Baffle Boxes Efficiency</a:t>
+            </a:r>
+          </a:p>
+          <a:p>
+            <a:pPr lvl="1"/>
+            <a:r>
+              <a:rPr lang="en-US" dirty="0" smtClean="0"/>
+              <a:t>Equipment failure</a:t>
+            </a:r>
+          </a:p>
+          <a:p>
+            <a:pPr lvl="1"/>
+            <a:r>
+              <a:rPr lang="en-US" dirty="0" smtClean="0"/>
+              <a:t>Prediction methodologies</a:t>
+            </a:r>
+          </a:p>
+          <a:p>
+            <a:pPr lvl="2"/>
+            <a:endParaRPr lang="en-US" dirty="0" smtClean="0"/>
+          </a:p>
+          <a:p>
+            <a:endParaRPr lang="en-US" dirty="0"/>
+          </a:p>
+        </p:txBody>
+      </p:sp>
+      <p:pic>
+        <p:nvPicPr>
+          <p:cNvPr id="5" name="Picture 4"/>
+          <p:cNvPicPr>
+            <a:picLocks noChangeAspect="1"/>
+          </p:cNvPicPr>
+          <p:nvPr/>
+        </p:nvPicPr>
+        <p:blipFill>
+          <a:blip r:embed="rId3"/>
+          <a:stretch>
+            <a:fillRect/>
+          </a:stretch>
+        </p:blipFill>
+        <p:spPr>
+          <a:xfrm>
+            <a:off x="2143125" y="442912"/>
+            <a:ext cx="7905750" cy="5972175"/>
+          </a:xfrm>
+          <a:prstGeom prst="rect">
+            <a:avLst/>
+          </a:prstGeom>
+        </p:spPr>
+      </p:pic>
+    </p:spTree>
+    <p:extLst>
+      <p:ext uri="{BB962C8B-B14F-4D97-AF65-F5344CB8AC3E}">
+        <p14:creationId xmlns:p14="http://schemas.microsoft.com/office/powerpoint/2010/main" val="1586202280"/>
+      </p:ext>
+    </p:extLst>
+  </p:cSld>
+  <p:clrMapOvr>
+    <a:masterClrMapping/>
+  </p:clrMapOvr>
+  <p:timing>
+    <p:tnLst>
+      <p:par>
+        <p:cTn id="1" dur="indefinite" restart="never" nodeType="tmRoot">
+          <p:childTnLst>
+            <p:seq concurrent="1" nextAc="seek">
+              <p:cTn id="2" dur="indefinite" nodeType="mainSeq">
+                <p:childTnLst>
+                  <p:par>
+                    <p:cTn id="3" fill="hold">
+                      <p:stCondLst>
+                        <p:cond delay="indefinite"/>
+                      </p:stCondLst>
+                      <p:childTnLst>
+                        <p:par>
+                          <p:cTn id="4" fill="hold">
+                            <p:stCondLst>
+                              <p:cond delay="0"/>
+                            </p:stCondLst>
+                            <p:childTnLst>
+                              <p:par>
+                                <p:cTn id="5" presetID="1" presetClass="entr" presetSubtype="0" fill="hold" nodeType="clickEffect">
+                                  <p:stCondLst>
+                                    <p:cond delay="0"/>
+                                  </p:stCondLst>
+                                  <p:childTnLst>
+                                    <p:set>
+                                      <p:cBhvr>
+                                        <p:cTn id="6" dur="1" fill="hold">
+                                          <p:stCondLst>
+                                            <p:cond delay="0"/>
+                                          </p:stCondLst>
+                                        </p:cTn>
+                                        <p:tgtEl>
+                                          <p:spTgt spid="5"/>
+                                        </p:tgtEl>
+                                        <p:attrNameLst>
+                                          <p:attrName>style.visibility</p:attrName>
+                                        </p:attrNameLst>
+                                      </p:cBhvr>
+                                      <p:to>
+                                        <p:strVal val="visible"/>
+                                      </p:to>
+                                    </p:set>
+                                  </p:childTnLst>
+                                </p:cTn>
+                              </p:par>
+                            </p:childTnLst>
+                          </p:cTn>
+                        </p:par>
+                      </p:childTnLst>
+                    </p:cTn>
+                  </p:par>
+                  <p:par>
+                    <p:cTn id="7" fill="hold">
+                      <p:stCondLst>
+                        <p:cond delay="indefinite"/>
+                      </p:stCondLst>
+                      <p:childTnLst>
+                        <p:par>
+                          <p:cTn id="8" fill="hold">
+                            <p:stCondLst>
+                              <p:cond delay="0"/>
+                            </p:stCondLst>
+                            <p:childTnLst>
+                              <p:par>
+                                <p:cTn id="9" presetID="1" presetClass="exit" presetSubtype="0" fill="hold" nodeType="clickEffect">
+                                  <p:stCondLst>
+                                    <p:cond delay="0"/>
+                                  </p:stCondLst>
+                                  <p:childTnLst>
+                                    <p:set>
+                                      <p:cBhvr>
+                                        <p:cTn id="10" dur="1" fill="hold">
+                                          <p:stCondLst>
+                                            <p:cond delay="0"/>
+                                          </p:stCondLst>
+                                        </p:cTn>
+                                        <p:tgtEl>
+                                          <p:spTgt spid="5"/>
+                                        </p:tgtEl>
+                                        <p:attrNameLst>
+                                          <p:attrName>style.visibility</p:attrName>
+                                        </p:attrNameLst>
+                                      </p:cBhvr>
+                                      <p:to>
+                                        <p:strVal val="hidden"/>
+                                      </p:to>
+                                    </p:set>
+                                  </p:childTnLst>
+                                </p:cTn>
+                              </p:par>
+                            </p:childTnLst>
+                          </p:cTn>
+                        </p:par>
+                      </p:childTnLst>
+                    </p:cTn>
+                  </p:par>
+                </p:childTnLst>
+              </p:cTn>
+              <p:prevCondLst>
+                <p:cond evt="onPrev" delay="0">
+                  <p:tgtEl>
+                    <p:sldTgt/>
+                  </p:tgtEl>
+                </p:cond>
+              </p:prevCondLst>
+              <p:nextCondLst>
+                <p:cond evt="onNext" delay="0">
+                  <p:tgtEl>
+                    <p:sldTgt/>
+                  </p:tgtEl>
+                </p:cond>
+              </p:nextCondLst>
+            </p:seq>
+          </p:childTnLst>
+        </p:cTn>
+      </p:par>
+    </p:tnLst>
+  </p:timing>
+</p:sld>
+</file>
+
+<file path=ppt/slides/slide7.xml><?xml version="1.0" encoding="utf-8"?>
+<p:sld xmlns:a="http://schemas.openxmlformats.org/drawingml/2006/main" xmlns:r="http://schemas.openxmlformats.org/officeDocument/2006/relationships" xmlns:p="http://schemas.openxmlformats.org/presentationml/2006/main">
+  <p:cSld>
+    <p:spTree>
+      <p:nvGrpSpPr>
+        <p:cNvPr id="1" name=""/>
+        <p:cNvGrpSpPr/>
+        <p:nvPr/>
+      </p:nvGrpSpPr>
+      <p:grpSpPr>
+        <a:xfrm>
+          <a:off x="0" y="0"/>
+          <a:ext cx="0" cy="0"/>
+          <a:chOff x="0" y="0"/>
+          <a:chExt cx="0" cy="0"/>
+        </a:xfrm>
+      </p:grpSpPr>
+      <p:sp>
+        <p:nvSpPr>
+          <p:cNvPr id="2" name="Title 1"/>
+          <p:cNvSpPr>
+            <a:spLocks noGrp="1"/>
+          </p:cNvSpPr>
+          <p:nvPr>
+            <p:ph type="title"/>
+          </p:nvPr>
+        </p:nvSpPr>
+        <p:spPr/>
+        <p:txBody>
+          <a:bodyPr/>
+          <a:lstStyle/>
+          <a:p>
+            <a:r>
+              <a:rPr lang="en-US" dirty="0" smtClean="0">
+                <a:solidFill>
+                  <a:srgbClr val="CC0000"/>
+                </a:solidFill>
+                <a:latin typeface="Rogue Hero Halftone Italic" pitchFamily="2" charset="0"/>
+              </a:rPr>
+              <a:t>Questions &amp; References</a:t>
+            </a:r>
+            <a:endParaRPr lang="en-US" dirty="0">
+              <a:solidFill>
+                <a:srgbClr val="CC0000"/>
+              </a:solidFill>
+              <a:latin typeface="Rogue Hero Halftone Italic" pitchFamily="2" charset="0"/>
+            </a:endParaRPr>
+          </a:p>
+        </p:txBody>
+      </p:sp>
+      <p:sp>
+        <p:nvSpPr>
+          <p:cNvPr id="3" name="Content Placeholder 2"/>
+          <p:cNvSpPr>
+            <a:spLocks noGrp="1"/>
+          </p:cNvSpPr>
+          <p:nvPr>
+            <p:ph idx="1"/>
+          </p:nvPr>
+        </p:nvSpPr>
+        <p:spPr/>
+        <p:txBody>
+          <a:bodyPr/>
+          <a:lstStyle/>
+          <a:p>
+            <a:r>
+              <a:rPr lang="en-US" dirty="0">
+                <a:hlinkClick r:id="rId2"/>
+              </a:rPr>
+              <a:t>http://fau.loboviz.com/loboviz</a:t>
+            </a:r>
+            <a:r>
+              <a:rPr lang="en-US" dirty="0" smtClean="0">
+                <a:hlinkClick r:id="rId2"/>
+              </a:rPr>
+              <a:t>/</a:t>
+            </a:r>
+            <a:endParaRPr lang="en-US" dirty="0" smtClean="0"/>
+          </a:p>
+          <a:p>
+            <a:r>
+              <a:rPr lang="en-US" dirty="0">
+                <a:hlinkClick r:id="rId3"/>
+              </a:rPr>
+              <a:t>https://www.ott.com/products/water-quality-2/sea-bird-scientific-hydrocycle-po4-phosphate-sensor-1528</a:t>
+            </a:r>
+            <a:r>
+              <a:rPr lang="en-US" dirty="0" smtClean="0">
+                <a:hlinkClick r:id="rId3"/>
+              </a:rPr>
+              <a:t>/</a:t>
+            </a:r>
+            <a:endParaRPr lang="en-US" dirty="0" smtClean="0"/>
+          </a:p>
+          <a:p>
+            <a:r>
+              <a:rPr lang="en-US" dirty="0" smtClean="0"/>
+              <a:t>HACKTHEIRL Mentors</a:t>
+            </a:r>
+          </a:p>
+          <a:p>
+            <a:endParaRPr lang="en-US" dirty="0"/>
+          </a:p>
+        </p:txBody>
+      </p:sp>
+    </p:spTree>
+    <p:extLst>
+      <p:ext uri="{BB962C8B-B14F-4D97-AF65-F5344CB8AC3E}">
+        <p14:creationId xmlns:p14="http://schemas.microsoft.com/office/powerpoint/2010/main" val="555552865"/>
       </p:ext>
     </p:extLst>
   </p:cSld>
